--- a/Udemy/Lecture 1 - Application Design/_11_ApplicationDesign-Summary&Challenge_Screen.pptx
+++ b/Udemy/Lecture 1 - Application Design/_11_ApplicationDesign-Summary&Challenge_Screen.pptx
@@ -308,7 +308,7 @@
           <a:p>
             <a:fld id="{D2BDCC73-4DDF-49AB-AEE1-BCC66D6EB140}" type="datetimeFigureOut">
               <a:rPr lang="en-GB" smtClean="0"/>
-              <a:t>08/12/2018</a:t>
+              <a:t>31/07/2019</a:t>
             </a:fld>
             <a:endParaRPr lang="en-GB" dirty="0"/>
           </a:p>
@@ -518,7 +518,7 @@
           <a:p>
             <a:fld id="{D2BDCC73-4DDF-49AB-AEE1-BCC66D6EB140}" type="datetimeFigureOut">
               <a:rPr lang="en-GB" smtClean="0"/>
-              <a:t>08/12/2018</a:t>
+              <a:t>31/07/2019</a:t>
             </a:fld>
             <a:endParaRPr lang="en-GB" dirty="0"/>
           </a:p>
@@ -722,7 +722,7 @@
           <a:p>
             <a:fld id="{D2BDCC73-4DDF-49AB-AEE1-BCC66D6EB140}" type="datetimeFigureOut">
               <a:rPr lang="en-GB" smtClean="0"/>
-              <a:t>08/12/2018</a:t>
+              <a:t>31/07/2019</a:t>
             </a:fld>
             <a:endParaRPr lang="en-GB" dirty="0"/>
           </a:p>
@@ -892,7 +892,7 @@
           <a:p>
             <a:fld id="{D2BDCC73-4DDF-49AB-AEE1-BCC66D6EB140}" type="datetimeFigureOut">
               <a:rPr lang="en-GB" smtClean="0"/>
-              <a:t>08/12/2018</a:t>
+              <a:t>31/07/2019</a:t>
             </a:fld>
             <a:endParaRPr lang="en-GB" dirty="0"/>
           </a:p>
@@ -1142,7 +1142,7 @@
           <a:p>
             <a:fld id="{D2BDCC73-4DDF-49AB-AEE1-BCC66D6EB140}" type="datetimeFigureOut">
               <a:rPr lang="en-GB" smtClean="0"/>
-              <a:t>08/12/2018</a:t>
+              <a:t>31/07/2019</a:t>
             </a:fld>
             <a:endParaRPr lang="en-GB" dirty="0"/>
           </a:p>
@@ -1374,7 +1374,7 @@
           <a:p>
             <a:fld id="{D2BDCC73-4DDF-49AB-AEE1-BCC66D6EB140}" type="datetimeFigureOut">
               <a:rPr lang="en-GB" smtClean="0"/>
-              <a:t>08/12/2018</a:t>
+              <a:t>31/07/2019</a:t>
             </a:fld>
             <a:endParaRPr lang="en-GB" dirty="0"/>
           </a:p>
@@ -1743,7 +1743,7 @@
           <a:p>
             <a:fld id="{D2BDCC73-4DDF-49AB-AEE1-BCC66D6EB140}" type="datetimeFigureOut">
               <a:rPr lang="en-GB" smtClean="0"/>
-              <a:t>08/12/2018</a:t>
+              <a:t>31/07/2019</a:t>
             </a:fld>
             <a:endParaRPr lang="en-GB" dirty="0"/>
           </a:p>
@@ -1861,7 +1861,7 @@
           <a:p>
             <a:fld id="{D2BDCC73-4DDF-49AB-AEE1-BCC66D6EB140}" type="datetimeFigureOut">
               <a:rPr lang="en-GB" smtClean="0"/>
-              <a:t>08/12/2018</a:t>
+              <a:t>31/07/2019</a:t>
             </a:fld>
             <a:endParaRPr lang="en-GB" dirty="0"/>
           </a:p>
@@ -1956,7 +1956,7 @@
           <a:p>
             <a:fld id="{D2BDCC73-4DDF-49AB-AEE1-BCC66D6EB140}" type="datetimeFigureOut">
               <a:rPr lang="en-GB" smtClean="0"/>
-              <a:t>08/12/2018</a:t>
+              <a:t>31/07/2019</a:t>
             </a:fld>
             <a:endParaRPr lang="en-GB" dirty="0"/>
           </a:p>
@@ -2237,7 +2237,7 @@
           <a:p>
             <a:fld id="{D2BDCC73-4DDF-49AB-AEE1-BCC66D6EB140}" type="datetimeFigureOut">
               <a:rPr lang="en-GB" smtClean="0"/>
-              <a:t>08/12/2018</a:t>
+              <a:t>31/07/2019</a:t>
             </a:fld>
             <a:endParaRPr lang="en-GB" dirty="0"/>
           </a:p>
@@ -2492,7 +2492,7 @@
           <a:p>
             <a:fld id="{D2BDCC73-4DDF-49AB-AEE1-BCC66D6EB140}" type="datetimeFigureOut">
               <a:rPr lang="en-GB" smtClean="0"/>
-              <a:t>08/12/2018</a:t>
+              <a:t>31/07/2019</a:t>
             </a:fld>
             <a:endParaRPr lang="en-GB" dirty="0"/>
           </a:p>
@@ -2751,7 +2751,7 @@
           <a:p>
             <a:fld id="{D2BDCC73-4DDF-49AB-AEE1-BCC66D6EB140}" type="datetimeFigureOut">
               <a:rPr lang="en-GB" smtClean="0"/>
-              <a:t>08/12/2018</a:t>
+              <a:t>31/07/2019</a:t>
             </a:fld>
             <a:endParaRPr lang="en-GB" dirty="0"/>
           </a:p>
@@ -3304,6 +3304,11 @@
           </a:bodyPr>
           <a:lstStyle/>
           <a:p>
+            <a:pPr>
+              <a:buBlip>
+                <a:blip r:embed="rId2"/>
+              </a:buBlip>
+            </a:pPr>
             <a:r>
               <a:rPr lang="en-GB" sz="2400" dirty="0">
                 <a:solidFill>
@@ -3314,6 +3319,11 @@
             </a:r>
           </a:p>
           <a:p>
+            <a:pPr>
+              <a:buBlip>
+                <a:blip r:embed="rId2"/>
+              </a:buBlip>
+            </a:pPr>
             <a:r>
               <a:rPr lang="en-GB" sz="2400" dirty="0">
                 <a:solidFill>
@@ -3324,6 +3334,11 @@
             </a:r>
           </a:p>
           <a:p>
+            <a:pPr>
+              <a:buBlip>
+                <a:blip r:embed="rId2"/>
+              </a:buBlip>
+            </a:pPr>
             <a:r>
               <a:rPr lang="en-GB" sz="2400" dirty="0">
                 <a:solidFill>
@@ -3816,6 +3831,9 @@
           <a:p>
             <a:pPr>
               <a:buSzPct val="90000"/>
+              <a:buBlip>
+                <a:blip r:embed="rId2"/>
+              </a:buBlip>
             </a:pPr>
             <a:r>
               <a:rPr lang="en-GB" sz="2400" dirty="0">
@@ -3829,6 +3847,9 @@
           <a:p>
             <a:pPr lvl="1">
               <a:buSzPct val="90000"/>
+              <a:buBlip>
+                <a:blip r:embed="rId2"/>
+              </a:buBlip>
             </a:pPr>
             <a:r>
               <a:rPr lang="en-GB" sz="2000" dirty="0">
@@ -3842,6 +3863,9 @@
           <a:p>
             <a:pPr lvl="1">
               <a:buSzPct val="90000"/>
+              <a:buBlip>
+                <a:blip r:embed="rId2"/>
+              </a:buBlip>
             </a:pPr>
             <a:r>
               <a:rPr lang="en-GB" sz="2000" dirty="0">
@@ -3855,6 +3879,9 @@
           <a:p>
             <a:pPr lvl="1">
               <a:buSzPct val="90000"/>
+              <a:buBlip>
+                <a:blip r:embed="rId2"/>
+              </a:buBlip>
             </a:pPr>
             <a:r>
               <a:rPr lang="en-GB" sz="2000" dirty="0">
@@ -3868,6 +3895,9 @@
           <a:p>
             <a:pPr lvl="1">
               <a:buSzPct val="90000"/>
+              <a:buBlip>
+                <a:blip r:embed="rId2"/>
+              </a:buBlip>
             </a:pPr>
             <a:r>
               <a:rPr lang="en-GB" sz="2000" dirty="0">
@@ -3881,6 +3911,9 @@
           <a:p>
             <a:pPr>
               <a:buSzPct val="90000"/>
+              <a:buBlip>
+                <a:blip r:embed="rId2"/>
+              </a:buBlip>
             </a:pPr>
             <a:r>
               <a:rPr lang="en-GB" sz="2400" dirty="0">
@@ -3894,6 +3927,9 @@
           <a:p>
             <a:pPr lvl="1">
               <a:buSzPct val="90000"/>
+              <a:buBlip>
+                <a:blip r:embed="rId2"/>
+              </a:buBlip>
             </a:pPr>
             <a:r>
               <a:rPr lang="en-GB" sz="2000" dirty="0">
@@ -3907,6 +3943,9 @@
           <a:p>
             <a:pPr lvl="1">
               <a:buSzPct val="90000"/>
+              <a:buBlip>
+                <a:blip r:embed="rId2"/>
+              </a:buBlip>
             </a:pPr>
             <a:r>
               <a:rPr lang="en-GB" sz="2000" dirty="0">
@@ -3920,6 +3959,9 @@
           <a:p>
             <a:pPr lvl="1">
               <a:buSzPct val="90000"/>
+              <a:buBlip>
+                <a:blip r:embed="rId2"/>
+              </a:buBlip>
             </a:pPr>
             <a:r>
               <a:rPr lang="en-GB" sz="2000" dirty="0">
@@ -4902,7 +4944,11 @@
           <a:lstStyle/>
           <a:p>
             <a:r>
-              <a:rPr lang="en-GB" dirty="0"/>
+              <a:rPr lang="en-GB" b="1" dirty="0">
+                <a:solidFill>
+                  <a:srgbClr val="FFC000"/>
+                </a:solidFill>
+              </a:rPr>
               <a:t>Need help?</a:t>
             </a:r>
           </a:p>
@@ -6045,7 +6091,7 @@
 <file path=ppt/theme/theme1.xml><?xml version="1.0" encoding="utf-8"?>
 <a:theme xmlns:a="http://schemas.openxmlformats.org/drawingml/2006/main" name="Office Theme">
   <a:themeElements>
-    <a:clrScheme name="Office">
+    <a:clrScheme name="Red Orange">
       <a:dk1>
         <a:sysClr val="windowText" lastClr="000000"/>
       </a:dk1>
@@ -6053,34 +6099,34 @@
         <a:sysClr val="window" lastClr="FFFFFF"/>
       </a:lt1>
       <a:dk2>
-        <a:srgbClr val="44546A"/>
+        <a:srgbClr val="505046"/>
       </a:dk2>
       <a:lt2>
-        <a:srgbClr val="E7E6E6"/>
+        <a:srgbClr val="EEECE1"/>
       </a:lt2>
       <a:accent1>
-        <a:srgbClr val="5B9BD5"/>
+        <a:srgbClr val="E84C22"/>
       </a:accent1>
       <a:accent2>
-        <a:srgbClr val="ED7D31"/>
+        <a:srgbClr val="FFBD47"/>
       </a:accent2>
       <a:accent3>
-        <a:srgbClr val="A5A5A5"/>
+        <a:srgbClr val="B64926"/>
       </a:accent3>
       <a:accent4>
-        <a:srgbClr val="FFC000"/>
+        <a:srgbClr val="FF8427"/>
       </a:accent4>
       <a:accent5>
-        <a:srgbClr val="4472C4"/>
+        <a:srgbClr val="CC9900"/>
       </a:accent5>
       <a:accent6>
-        <a:srgbClr val="70AD47"/>
+        <a:srgbClr val="B22600"/>
       </a:accent6>
       <a:hlink>
-        <a:srgbClr val="0563C1"/>
+        <a:srgbClr val="CC9900"/>
       </a:hlink>
       <a:folHlink>
-        <a:srgbClr val="954F72"/>
+        <a:srgbClr val="666699"/>
       </a:folHlink>
     </a:clrScheme>
     <a:fontScheme name="Office">
